--- a/Micropython_20190511.pptx
+++ b/Micropython_20190511.pptx
@@ -762,7 +762,7 @@
           <a:p>
             <a:fld id="{5BBEAD13-0566-4C6C-97E7-55F17F24B09F}" type="datetimeFigureOut">
               <a:rPr lang="zh-TW" altLang="en-US" smtClean="0"/>
-              <a:t>2019/5/10</a:t>
+              <a:t>2019/5/11</a:t>
             </a:fld>
             <a:endParaRPr lang="zh-TW" altLang="en-US"/>
           </a:p>
@@ -941,7 +941,7 @@
           <a:p>
             <a:fld id="{5BBEAD13-0566-4C6C-97E7-55F17F24B09F}" type="datetimeFigureOut">
               <a:rPr lang="zh-TW" altLang="en-US" smtClean="0"/>
-              <a:t>2019/5/10</a:t>
+              <a:t>2019/5/11</a:t>
             </a:fld>
             <a:endParaRPr lang="zh-TW" altLang="en-US"/>
           </a:p>
@@ -1120,7 +1120,7 @@
           <a:p>
             <a:fld id="{5BBEAD13-0566-4C6C-97E7-55F17F24B09F}" type="datetimeFigureOut">
               <a:rPr lang="zh-TW" altLang="en-US" smtClean="0"/>
-              <a:t>2019/5/10</a:t>
+              <a:t>2019/5/11</a:t>
             </a:fld>
             <a:endParaRPr lang="zh-TW" altLang="en-US"/>
           </a:p>
@@ -3238,7 +3238,7 @@
           <a:p>
             <a:fld id="{5BBEAD13-0566-4C6C-97E7-55F17F24B09F}" type="datetimeFigureOut">
               <a:rPr lang="zh-TW" altLang="en-US" smtClean="0"/>
-              <a:t>2019/5/10</a:t>
+              <a:t>2019/5/11</a:t>
             </a:fld>
             <a:endParaRPr lang="zh-TW" altLang="en-US"/>
           </a:p>
@@ -4345,7 +4345,7 @@
           <a:p>
             <a:fld id="{5BBEAD13-0566-4C6C-97E7-55F17F24B09F}" type="datetimeFigureOut">
               <a:rPr lang="zh-TW" altLang="en-US" smtClean="0"/>
-              <a:t>2019/5/10</a:t>
+              <a:t>2019/5/11</a:t>
             </a:fld>
             <a:endParaRPr lang="zh-TW" altLang="en-US"/>
           </a:p>
@@ -4458,7 +4458,7 @@
           <a:p>
             <a:fld id="{5BBEAD13-0566-4C6C-97E7-55F17F24B09F}" type="datetimeFigureOut">
               <a:rPr lang="zh-TW" altLang="en-US" smtClean="0"/>
-              <a:t>2019/5/10</a:t>
+              <a:t>2019/5/11</a:t>
             </a:fld>
             <a:endParaRPr lang="zh-TW" altLang="en-US"/>
           </a:p>
@@ -4831,7 +4831,7 @@
           <a:p>
             <a:fld id="{5BBEAD13-0566-4C6C-97E7-55F17F24B09F}" type="datetimeFigureOut">
               <a:rPr lang="zh-TW" altLang="en-US" smtClean="0"/>
-              <a:t>2019/5/10</a:t>
+              <a:t>2019/5/11</a:t>
             </a:fld>
             <a:endParaRPr lang="zh-TW" altLang="en-US"/>
           </a:p>
@@ -5058,7 +5058,7 @@
           <a:p>
             <a:fld id="{5BBEAD13-0566-4C6C-97E7-55F17F24B09F}" type="datetimeFigureOut">
               <a:rPr lang="zh-TW" altLang="en-US" smtClean="0"/>
-              <a:t>2019/5/10</a:t>
+              <a:t>2019/5/11</a:t>
             </a:fld>
             <a:endParaRPr lang="zh-TW" altLang="en-US"/>
           </a:p>
@@ -5148,7 +5148,7 @@
           <a:p>
             <a:fld id="{5BBEAD13-0566-4C6C-97E7-55F17F24B09F}" type="datetimeFigureOut">
               <a:rPr lang="zh-TW" altLang="en-US" smtClean="0"/>
-              <a:t>2019/5/10</a:t>
+              <a:t>2019/5/11</a:t>
             </a:fld>
             <a:endParaRPr lang="zh-TW" altLang="en-US"/>
           </a:p>
@@ -5975,7 +5975,7 @@
           <a:p>
             <a:fld id="{5BBEAD13-0566-4C6C-97E7-55F17F24B09F}" type="datetimeFigureOut">
               <a:rPr lang="zh-TW" altLang="en-US" smtClean="0"/>
-              <a:t>2019/5/10</a:t>
+              <a:t>2019/5/11</a:t>
             </a:fld>
             <a:endParaRPr lang="zh-TW" altLang="en-US"/>
           </a:p>
@@ -6806,7 +6806,7 @@
           <a:p>
             <a:fld id="{5BBEAD13-0566-4C6C-97E7-55F17F24B09F}" type="datetimeFigureOut">
               <a:rPr lang="zh-TW" altLang="en-US" smtClean="0"/>
-              <a:t>2019/5/10</a:t>
+              <a:t>2019/5/11</a:t>
             </a:fld>
             <a:endParaRPr lang="zh-TW" altLang="en-US"/>
           </a:p>
@@ -7460,7 +7460,7 @@
           <a:p>
             <a:fld id="{5BBEAD13-0566-4C6C-97E7-55F17F24B09F}" type="datetimeFigureOut">
               <a:rPr lang="zh-TW" altLang="en-US" smtClean="0"/>
-              <a:t>2019/5/10</a:t>
+              <a:t>2019/5/11</a:t>
             </a:fld>
             <a:endParaRPr lang="zh-TW" altLang="en-US"/>
           </a:p>
@@ -7986,7 +7986,7 @@
         <p:nvSpPr>
           <p:cNvPr id="3075" name="Title 4098"/>
           <p:cNvSpPr>
-            <a:spLocks noChangeArrowheads="1"/>
+            <a:spLocks noGrp="1" noChangeArrowheads="1"/>
           </p:cNvSpPr>
           <p:nvPr>
             <p:ph type="title" idx="4294967295"/>
@@ -8044,7 +8044,7 @@
         <p:nvSpPr>
           <p:cNvPr id="3076" name="Text Placeholder 4099"/>
           <p:cNvSpPr>
-            <a:spLocks noChangeArrowheads="1"/>
+            <a:spLocks noGrp="1" noChangeArrowheads="1"/>
           </p:cNvSpPr>
           <p:nvPr>
             <p:ph type="body" idx="4294967295"/>
@@ -10070,7 +10070,7 @@
         <p:nvPicPr>
           <p:cNvPr id="14342" name="Picture 78" descr="m45_1"/>
           <p:cNvPicPr>
-            <a:picLocks noChangeAspect="1" noChangeArrowheads="1"/>
+            <a:picLocks noGrp="1" noChangeAspect="1" noChangeArrowheads="1"/>
           </p:cNvPicPr>
           <p:nvPr>
             <p:ph idx="1"/>
@@ -12740,19 +12740,22 @@
             </a:br>
             <a:r>
               <a:rPr lang="en-US" altLang="zh-TW" sz="2700" dirty="0" smtClean="0"/>
-              <a:t>g. DHT11 &amp;&amp; restful</a:t>
+              <a:t>g. DHT11 &amp;&amp; </a:t>
+            </a:r>
+            <a:r>
+              <a:rPr lang="en-US" altLang="zh-TW" sz="2700" dirty="0" smtClean="0"/>
+              <a:t>restful</a:t>
             </a:r>
             <a:br>
               <a:rPr lang="en-US" altLang="zh-TW" sz="2700" dirty="0" smtClean="0"/>
             </a:br>
             <a:r>
-              <a:rPr lang="en-US" altLang="zh-TW" sz="2700" dirty="0" smtClean="0"/>
-              <a:t>h. </a:t>
-            </a:r>
-            <a:r>
-              <a:rPr lang="en-US" altLang="zh-TW" sz="2700" dirty="0" err="1" smtClean="0"/>
-              <a:t>ThingSpeak</a:t>
-            </a:r>
+              <a:rPr lang="en-US" altLang="zh-TW" sz="2700" dirty="0"/>
+              <a:t/>
+            </a:r>
+            <a:br>
+              <a:rPr lang="en-US" altLang="zh-TW" sz="2700" dirty="0"/>
+            </a:br>
             <a:r>
               <a:rPr lang="en-US" altLang="zh-TW" sz="2700" dirty="0" smtClean="0"/>
               <a:t/>
@@ -12762,7 +12765,79 @@
             </a:br>
             <a:r>
               <a:rPr lang="en-US" altLang="zh-TW" sz="2700" dirty="0" smtClean="0"/>
-              <a:t>i.  MQTT</a:t>
+              <a:t/>
+            </a:r>
+            <a:br>
+              <a:rPr lang="en-US" altLang="zh-TW" sz="2700" dirty="0" smtClean="0"/>
+            </a:br>
+            <a:r>
+              <a:rPr lang="en-US" altLang="zh-TW" sz="2700" dirty="0" smtClean="0"/>
+              <a:t>h. </a:t>
+            </a:r>
+            <a:r>
+              <a:rPr lang="zh-TW" altLang="en-US" sz="2700" dirty="0" smtClean="0"/>
+              <a:t>光敏電阻 </a:t>
+            </a:r>
+            <a:r>
+              <a:rPr lang="en-US" altLang="zh-TW" sz="2700" dirty="0" smtClean="0"/>
+              <a:t>&amp;&amp;</a:t>
+            </a:r>
+            <a:r>
+              <a:rPr lang="zh-TW" altLang="en-US" sz="2700" dirty="0" smtClean="0"/>
+              <a:t> 自動小夜燈</a:t>
+            </a:r>
+            <a:r>
+              <a:rPr lang="en-US" altLang="zh-TW" sz="2700" dirty="0" smtClean="0"/>
+              <a:t/>
+            </a:r>
+            <a:br>
+              <a:rPr lang="en-US" altLang="zh-TW" sz="2700" dirty="0" smtClean="0"/>
+            </a:br>
+            <a:r>
+              <a:rPr lang="en-US" altLang="zh-TW" sz="2700" dirty="0" smtClean="0"/>
+              <a:t>i.  </a:t>
+            </a:r>
+            <a:r>
+              <a:rPr lang="zh-TW" altLang="en-US" sz="2700" dirty="0" smtClean="0"/>
+              <a:t>超音波測距 </a:t>
+            </a:r>
+            <a:r>
+              <a:rPr lang="en-US" altLang="zh-TW" sz="2700" dirty="0" smtClean="0"/>
+              <a:t>&amp;&amp;</a:t>
+            </a:r>
+            <a:r>
+              <a:rPr lang="zh-TW" altLang="en-US" sz="2700" dirty="0" smtClean="0"/>
+              <a:t> 電子尺</a:t>
+            </a:r>
+            <a:r>
+              <a:rPr lang="en-US" altLang="zh-TW" sz="2700" dirty="0" smtClean="0"/>
+              <a:t/>
+            </a:r>
+            <a:br>
+              <a:rPr lang="en-US" altLang="zh-TW" sz="2700" dirty="0" smtClean="0"/>
+            </a:br>
+            <a:r>
+              <a:rPr lang="en-US" altLang="zh-TW" sz="2700" dirty="0" smtClean="0"/>
+              <a:t>j. </a:t>
+            </a:r>
+            <a:r>
+              <a:rPr lang="en-US" altLang="zh-TW" sz="2700" dirty="0" err="1" smtClean="0"/>
+              <a:t>ThingSpeak</a:t>
+            </a:r>
+            <a:r>
+              <a:rPr lang="en-US" altLang="zh-TW" sz="2700" dirty="0" smtClean="0"/>
+              <a:t/>
+            </a:r>
+            <a:br>
+              <a:rPr lang="en-US" altLang="zh-TW" sz="2700" dirty="0" smtClean="0"/>
+            </a:br>
+            <a:r>
+              <a:rPr lang="en-US" altLang="zh-TW" sz="2700" dirty="0" smtClean="0"/>
+              <a:t>k.  </a:t>
+            </a:r>
+            <a:r>
+              <a:rPr lang="en-US" altLang="zh-TW" sz="2700" dirty="0" smtClean="0"/>
+              <a:t>MQTT</a:t>
             </a:r>
             <a:r>
               <a:rPr lang="en-US" altLang="zh-TW" dirty="0"/>
@@ -13029,7 +13104,7 @@
         <p:nvSpPr>
           <p:cNvPr id="7169" name="Title 10241"/>
           <p:cNvSpPr>
-            <a:spLocks noChangeArrowheads="1"/>
+            <a:spLocks noGrp="1" noChangeArrowheads="1"/>
           </p:cNvSpPr>
           <p:nvPr>
             <p:ph type="title"/>
@@ -15380,7 +15455,7 @@
   </a:extraClrSchemeLst>
   <a:extLst>
     <a:ext uri="{05A4C25C-085E-4340-85A3-A5531E510DB2}">
-      <thm15:themeFamily xmlns:thm15="http://schemas.microsoft.com/office/thememl/2012/main" xmlns="" name="Office Theme" id="{62F939B6-93AF-4DB8-9C6B-D6C7DFDC589F}" vid="{4A3C46E8-61CC-4603-A589-7422A47A8E4A}"/>
+      <thm15:themeFamily xmlns="" xmlns:thm15="http://schemas.microsoft.com/office/thememl/2012/main" name="Office Theme" id="{62F939B6-93AF-4DB8-9C6B-D6C7DFDC589F}" vid="{4A3C46E8-61CC-4603-A589-7422A47A8E4A}"/>
     </a:ext>
   </a:extLst>
 </a:theme>
